--- a/images/results/HeXe-densities-113-05-doping-and-reconstruction.pptx
+++ b/images/results/HeXe-densities-113-05-doping-and-reconstruction.pptx
@@ -104,6 +104,11 @@
       </a:defRPr>
     </a:lvl9pPr>
   </p:defaultTextStyle>
+  <p:extLst>
+    <p:ext uri="{EFAFB233-063F-42B5-8137-9DF3F51BA10A}">
+      <p15:sldGuideLst xmlns:p15="http://schemas.microsoft.com/office/powerpoint/2012/main"/>
+    </p:ext>
+  </p:extLst>
 </p:presentation>
 </file>
 
@@ -238,7 +243,7 @@
           <a:p>
             <a:fld id="{08255179-05C1-B743-B9E6-ABAE5A76D82D}" type="datetimeFigureOut">
               <a:rPr lang="en-US" smtClean="0"/>
-              <a:t>12/9/16</a:t>
+              <a:t>4/17/17</a:t>
             </a:fld>
             <a:endParaRPr lang="en-US"/>
           </a:p>
@@ -403,7 +408,7 @@
           <a:p>
             <a:fld id="{08255179-05C1-B743-B9E6-ABAE5A76D82D}" type="datetimeFigureOut">
               <a:rPr lang="en-US" smtClean="0"/>
-              <a:t>12/9/16</a:t>
+              <a:t>4/17/17</a:t>
             </a:fld>
             <a:endParaRPr lang="en-US"/>
           </a:p>
@@ -578,7 +583,7 @@
           <a:p>
             <a:fld id="{08255179-05C1-B743-B9E6-ABAE5A76D82D}" type="datetimeFigureOut">
               <a:rPr lang="en-US" smtClean="0"/>
-              <a:t>12/9/16</a:t>
+              <a:t>4/17/17</a:t>
             </a:fld>
             <a:endParaRPr lang="en-US"/>
           </a:p>
@@ -743,7 +748,7 @@
           <a:p>
             <a:fld id="{08255179-05C1-B743-B9E6-ABAE5A76D82D}" type="datetimeFigureOut">
               <a:rPr lang="en-US" smtClean="0"/>
-              <a:t>12/9/16</a:t>
+              <a:t>4/17/17</a:t>
             </a:fld>
             <a:endParaRPr lang="en-US"/>
           </a:p>
@@ -982,7 +987,7 @@
           <a:p>
             <a:fld id="{08255179-05C1-B743-B9E6-ABAE5A76D82D}" type="datetimeFigureOut">
               <a:rPr lang="en-US" smtClean="0"/>
-              <a:t>12/9/16</a:t>
+              <a:t>4/17/17</a:t>
             </a:fld>
             <a:endParaRPr lang="en-US"/>
           </a:p>
@@ -1209,7 +1214,7 @@
           <a:p>
             <a:fld id="{08255179-05C1-B743-B9E6-ABAE5A76D82D}" type="datetimeFigureOut">
               <a:rPr lang="en-US" smtClean="0"/>
-              <a:t>12/9/16</a:t>
+              <a:t>4/17/17</a:t>
             </a:fld>
             <a:endParaRPr lang="en-US"/>
           </a:p>
@@ -1571,7 +1576,7 @@
           <a:p>
             <a:fld id="{08255179-05C1-B743-B9E6-ABAE5A76D82D}" type="datetimeFigureOut">
               <a:rPr lang="en-US" smtClean="0"/>
-              <a:t>12/9/16</a:t>
+              <a:t>4/17/17</a:t>
             </a:fld>
             <a:endParaRPr lang="en-US"/>
           </a:p>
@@ -1684,7 +1689,7 @@
           <a:p>
             <a:fld id="{08255179-05C1-B743-B9E6-ABAE5A76D82D}" type="datetimeFigureOut">
               <a:rPr lang="en-US" smtClean="0"/>
-              <a:t>12/9/16</a:t>
+              <a:t>4/17/17</a:t>
             </a:fld>
             <a:endParaRPr lang="en-US"/>
           </a:p>
@@ -1774,7 +1779,7 @@
           <a:p>
             <a:fld id="{08255179-05C1-B743-B9E6-ABAE5A76D82D}" type="datetimeFigureOut">
               <a:rPr lang="en-US" smtClean="0"/>
-              <a:t>12/9/16</a:t>
+              <a:t>4/17/17</a:t>
             </a:fld>
             <a:endParaRPr lang="en-US"/>
           </a:p>
@@ -2046,7 +2051,7 @@
           <a:p>
             <a:fld id="{08255179-05C1-B743-B9E6-ABAE5A76D82D}" type="datetimeFigureOut">
               <a:rPr lang="en-US" smtClean="0"/>
-              <a:t>12/9/16</a:t>
+              <a:t>4/17/17</a:t>
             </a:fld>
             <a:endParaRPr lang="en-US"/>
           </a:p>
@@ -2298,7 +2303,7 @@
           <a:p>
             <a:fld id="{08255179-05C1-B743-B9E6-ABAE5A76D82D}" type="datetimeFigureOut">
               <a:rPr lang="en-US" smtClean="0"/>
-              <a:t>12/9/16</a:t>
+              <a:t>4/17/17</a:t>
             </a:fld>
             <a:endParaRPr lang="en-US"/>
           </a:p>
@@ -2506,7 +2511,7 @@
           <a:p>
             <a:fld id="{08255179-05C1-B743-B9E6-ABAE5A76D82D}" type="datetimeFigureOut">
               <a:rPr lang="en-US" smtClean="0"/>
-              <a:t>12/9/16</a:t>
+              <a:t>4/17/17</a:t>
             </a:fld>
             <a:endParaRPr lang="en-US"/>
           </a:p>
@@ -2913,183 +2918,108 @@
       </p:grpSpPr>
       <p:grpSp>
         <p:nvGrpSpPr>
-          <p:cNvPr id="13" name="Group 12"/>
+          <p:cNvPr id="9" name="Group 8"/>
           <p:cNvGrpSpPr/>
           <p:nvPr/>
         </p:nvGrpSpPr>
         <p:grpSpPr>
           <a:xfrm>
             <a:off x="9525" y="393700"/>
-            <a:ext cx="6858000" cy="10196326"/>
+            <a:ext cx="6962798" cy="10090002"/>
             <a:chOff x="9525" y="393700"/>
-            <a:chExt cx="6858000" cy="10196326"/>
+            <a:chExt cx="6962798" cy="10090002"/>
           </a:xfrm>
         </p:grpSpPr>
-        <p:grpSp>
-          <p:nvGrpSpPr>
-            <p:cNvPr id="10" name="Group 9"/>
-            <p:cNvGrpSpPr/>
+        <p:pic>
+          <p:nvPicPr>
+            <p:cNvPr id="5" name="Picture 4"/>
+            <p:cNvPicPr>
+              <a:picLocks noChangeAspect="1"/>
+            </p:cNvPicPr>
             <p:nvPr/>
-          </p:nvGrpSpPr>
-          <p:grpSpPr>
+          </p:nvPicPr>
+          <p:blipFill>
+            <a:blip r:embed="rId2">
+              <a:extLst>
+                <a:ext uri="{28A0092B-C50C-407E-A947-70E740481C1C}">
+                  <a14:useLocalDpi xmlns:a14="http://schemas.microsoft.com/office/drawing/2010/main" val="0"/>
+                </a:ext>
+              </a:extLst>
+            </a:blip>
+            <a:stretch>
+              <a:fillRect/>
+            </a:stretch>
+          </p:blipFill>
+          <p:spPr>
+            <a:xfrm>
+              <a:off x="742950" y="5882722"/>
+              <a:ext cx="4419600" cy="4388962"/>
+            </a:xfrm>
+            <a:prstGeom prst="rect">
+              <a:avLst/>
+            </a:prstGeom>
+          </p:spPr>
+        </p:pic>
+        <p:pic>
+          <p:nvPicPr>
+            <p:cNvPr id="6" name="Picture 5"/>
+            <p:cNvPicPr>
+              <a:picLocks noChangeAspect="1"/>
+            </p:cNvPicPr>
+            <p:nvPr/>
+          </p:nvPicPr>
+          <p:blipFill>
+            <a:blip r:embed="rId3">
+              <a:extLst>
+                <a:ext uri="{28A0092B-C50C-407E-A947-70E740481C1C}">
+                  <a14:useLocalDpi xmlns:a14="http://schemas.microsoft.com/office/drawing/2010/main" val="0"/>
+                </a:ext>
+              </a:extLst>
+            </a:blip>
+            <a:stretch>
+              <a:fillRect/>
+            </a:stretch>
+          </p:blipFill>
+          <p:spPr>
             <a:xfrm>
               <a:off x="9525" y="393700"/>
-              <a:ext cx="6858000" cy="10196326"/>
-              <a:chOff x="9525" y="393700"/>
-              <a:chExt cx="6858000" cy="10196326"/>
+              <a:ext cx="6858000" cy="5143500"/>
             </a:xfrm>
-          </p:grpSpPr>
-          <p:pic>
-            <p:nvPicPr>
-              <p:cNvPr id="5" name="Picture 4"/>
-              <p:cNvPicPr>
-                <a:picLocks noChangeAspect="1"/>
-              </p:cNvPicPr>
-              <p:nvPr/>
-            </p:nvPicPr>
-            <p:blipFill>
-              <a:blip r:embed="rId2">
-                <a:extLst>
-                  <a:ext uri="{28A0092B-C50C-407E-A947-70E740481C1C}">
-                    <a14:useLocalDpi xmlns:a14="http://schemas.microsoft.com/office/drawing/2010/main" val="0"/>
-                  </a:ext>
-                </a:extLst>
-              </a:blip>
-              <a:stretch>
-                <a:fillRect/>
-              </a:stretch>
-            </p:blipFill>
-            <p:spPr>
-              <a:xfrm>
-                <a:off x="742950" y="5808291"/>
-                <a:ext cx="4419600" cy="4388962"/>
-              </a:xfrm>
-              <a:prstGeom prst="rect">
-                <a:avLst/>
-              </a:prstGeom>
-            </p:spPr>
-          </p:pic>
-          <p:pic>
-            <p:nvPicPr>
-              <p:cNvPr id="6" name="Picture 5"/>
-              <p:cNvPicPr>
-                <a:picLocks noChangeAspect="1"/>
-              </p:cNvPicPr>
-              <p:nvPr/>
-            </p:nvPicPr>
-            <p:blipFill>
-              <a:blip r:embed="rId3">
-                <a:extLst>
-                  <a:ext uri="{28A0092B-C50C-407E-A947-70E740481C1C}">
-                    <a14:useLocalDpi xmlns:a14="http://schemas.microsoft.com/office/drawing/2010/main" val="0"/>
-                  </a:ext>
-                </a:extLst>
-              </a:blip>
-              <a:stretch>
-                <a:fillRect/>
-              </a:stretch>
-            </p:blipFill>
-            <p:spPr>
-              <a:xfrm>
-                <a:off x="9525" y="393700"/>
-                <a:ext cx="6858000" cy="5143500"/>
-              </a:xfrm>
-              <a:prstGeom prst="rect">
-                <a:avLst/>
-              </a:prstGeom>
-            </p:spPr>
-          </p:pic>
-          <p:pic>
-            <p:nvPicPr>
-              <p:cNvPr id="7" name="Picture 6"/>
-              <p:cNvPicPr>
-                <a:picLocks noChangeAspect="1"/>
-              </p:cNvPicPr>
-              <p:nvPr/>
-            </p:nvPicPr>
-            <p:blipFill>
-              <a:blip r:embed="rId4">
-                <a:extLst>
-                  <a:ext uri="{28A0092B-C50C-407E-A947-70E740481C1C}">
-                    <a14:useLocalDpi xmlns:a14="http://schemas.microsoft.com/office/drawing/2010/main" val="0"/>
-                  </a:ext>
-                </a:extLst>
-              </a:blip>
-              <a:stretch>
-                <a:fillRect/>
-              </a:stretch>
-            </p:blipFill>
-            <p:spPr>
-              <a:xfrm>
-                <a:off x="5302250" y="5770191"/>
-                <a:ext cx="1384300" cy="4388962"/>
-              </a:xfrm>
-              <a:prstGeom prst="rect">
-                <a:avLst/>
-              </a:prstGeom>
-            </p:spPr>
-          </p:pic>
-          <p:sp>
-            <p:nvSpPr>
-              <p:cNvPr id="8" name="TextBox 7"/>
-              <p:cNvSpPr txBox="1"/>
-              <p:nvPr/>
-            </p:nvSpPr>
-            <p:spPr>
-              <a:xfrm>
-                <a:off x="2686050" y="10220694"/>
-                <a:ext cx="891591" cy="369332"/>
-              </a:xfrm>
-              <a:prstGeom prst="rect">
-                <a:avLst/>
-              </a:prstGeom>
-              <a:noFill/>
-            </p:spPr>
-            <p:txBody>
-              <a:bodyPr wrap="none" rtlCol="0">
-                <a:spAutoFit/>
-              </a:bodyPr>
-              <a:lstStyle/>
-              <a:p>
-                <a:r>
-                  <a:rPr lang="en-US" smtClean="0"/>
-                  <a:t>X in nm</a:t>
-                </a:r>
-                <a:endParaRPr lang="en-US"/>
-              </a:p>
-            </p:txBody>
-          </p:sp>
-          <p:sp>
-            <p:nvSpPr>
-              <p:cNvPr id="9" name="TextBox 8"/>
-              <p:cNvSpPr txBox="1"/>
-              <p:nvPr/>
-            </p:nvSpPr>
-            <p:spPr>
-              <a:xfrm rot="16200000">
-                <a:off x="66991" y="7780005"/>
-                <a:ext cx="883575" cy="369332"/>
-              </a:xfrm>
-              <a:prstGeom prst="rect">
-                <a:avLst/>
-              </a:prstGeom>
-              <a:noFill/>
-            </p:spPr>
-            <p:txBody>
-              <a:bodyPr wrap="none" rtlCol="0">
-                <a:spAutoFit/>
-              </a:bodyPr>
-              <a:lstStyle/>
-              <a:p>
-                <a:r>
-                  <a:rPr lang="en-US" smtClean="0"/>
-                  <a:t>Y in nm</a:t>
-                </a:r>
-                <a:endParaRPr lang="en-US"/>
-              </a:p>
-            </p:txBody>
-          </p:sp>
-        </p:grpSp>
+            <a:prstGeom prst="rect">
+              <a:avLst/>
+            </a:prstGeom>
+          </p:spPr>
+        </p:pic>
+        <p:pic>
+          <p:nvPicPr>
+            <p:cNvPr id="7" name="Picture 6"/>
+            <p:cNvPicPr>
+              <a:picLocks noChangeAspect="1"/>
+            </p:cNvPicPr>
+            <p:nvPr/>
+          </p:nvPicPr>
+          <p:blipFill>
+            <a:blip r:embed="rId4">
+              <a:extLst>
+                <a:ext uri="{28A0092B-C50C-407E-A947-70E740481C1C}">
+                  <a14:useLocalDpi xmlns:a14="http://schemas.microsoft.com/office/drawing/2010/main" val="0"/>
+                </a:ext>
+              </a:extLst>
+            </a:blip>
+            <a:stretch>
+              <a:fillRect/>
+            </a:stretch>
+          </p:blipFill>
+          <p:spPr>
+            <a:xfrm>
+              <a:off x="5302250" y="5844622"/>
+              <a:ext cx="1384300" cy="4388962"/>
+            </a:xfrm>
+            <a:prstGeom prst="rect">
+              <a:avLst/>
+            </a:prstGeom>
+          </p:spPr>
+        </p:pic>
         <p:sp>
           <p:nvSpPr>
             <p:cNvPr id="11" name="TextBox 10"/>
@@ -3098,8 +3028,379 @@
           </p:nvSpPr>
           <p:spPr>
             <a:xfrm>
-              <a:off x="2153653" y="1009650"/>
-              <a:ext cx="1598194" cy="369332"/>
+              <a:off x="1669869" y="933450"/>
+              <a:ext cx="2763770" cy="523220"/>
+            </a:xfrm>
+            <a:prstGeom prst="rect">
+              <a:avLst/>
+            </a:prstGeom>
+            <a:noFill/>
+          </p:spPr>
+          <p:txBody>
+            <a:bodyPr wrap="none" rtlCol="0">
+              <a:spAutoFit/>
+            </a:bodyPr>
+            <a:lstStyle/>
+            <a:p>
+              <a:r>
+                <a:rPr lang="en-US" sz="2800" smtClean="0">
+                  <a:solidFill>
+                    <a:schemeClr val="bg1"/>
+                  </a:solidFill>
+                </a:rPr>
+                <a:t>b) Reconstruction</a:t>
+              </a:r>
+              <a:endParaRPr lang="en-US" sz="2800" smtClean="0">
+                <a:solidFill>
+                  <a:schemeClr val="bg1"/>
+                </a:solidFill>
+              </a:endParaRPr>
+            </a:p>
+          </p:txBody>
+        </p:sp>
+        <p:sp>
+          <p:nvSpPr>
+            <p:cNvPr id="12" name="TextBox 11"/>
+            <p:cNvSpPr txBox="1"/>
+            <p:nvPr/>
+          </p:nvSpPr>
+          <p:spPr>
+            <a:xfrm>
+              <a:off x="1991462" y="5909565"/>
+              <a:ext cx="2081019" cy="523220"/>
+            </a:xfrm>
+            <a:prstGeom prst="rect">
+              <a:avLst/>
+            </a:prstGeom>
+            <a:noFill/>
+          </p:spPr>
+          <p:txBody>
+            <a:bodyPr wrap="none" rtlCol="0">
+              <a:spAutoFit/>
+            </a:bodyPr>
+            <a:lstStyle/>
+            <a:p>
+              <a:r>
+                <a:rPr lang="en-US" sz="2800" smtClean="0">
+                  <a:solidFill>
+                    <a:schemeClr val="bg1"/>
+                  </a:solidFill>
+                </a:rPr>
+                <a:t>c) Simulation</a:t>
+              </a:r>
+              <a:endParaRPr lang="en-US" sz="2800">
+                <a:solidFill>
+                  <a:schemeClr val="bg1"/>
+                </a:solidFill>
+              </a:endParaRPr>
+            </a:p>
+          </p:txBody>
+        </p:sp>
+        <p:sp>
+          <p:nvSpPr>
+            <p:cNvPr id="2" name="TextBox 1"/>
+            <p:cNvSpPr txBox="1"/>
+            <p:nvPr/>
+          </p:nvSpPr>
+          <p:spPr>
+            <a:xfrm>
+              <a:off x="5786407" y="5814315"/>
+              <a:ext cx="301686" cy="369332"/>
+            </a:xfrm>
+            <a:prstGeom prst="rect">
+              <a:avLst/>
+            </a:prstGeom>
+            <a:solidFill>
+              <a:schemeClr val="bg1"/>
+            </a:solidFill>
+          </p:spPr>
+          <p:txBody>
+            <a:bodyPr wrap="none" rtlCol="0">
+              <a:spAutoFit/>
+            </a:bodyPr>
+            <a:lstStyle/>
+            <a:p>
+              <a:r>
+                <a:rPr lang="en-US" smtClean="0"/>
+                <a:t>1</a:t>
+              </a:r>
+            </a:p>
+          </p:txBody>
+        </p:sp>
+        <p:sp>
+          <p:nvSpPr>
+            <p:cNvPr id="3" name="TextBox 2"/>
+            <p:cNvSpPr txBox="1"/>
+            <p:nvPr/>
+          </p:nvSpPr>
+          <p:spPr>
+            <a:xfrm>
+              <a:off x="5791200" y="9904231"/>
+              <a:ext cx="301686" cy="369332"/>
+            </a:xfrm>
+            <a:prstGeom prst="rect">
+              <a:avLst/>
+            </a:prstGeom>
+            <a:solidFill>
+              <a:schemeClr val="bg1"/>
+            </a:solidFill>
+          </p:spPr>
+          <p:txBody>
+            <a:bodyPr wrap="none" rtlCol="0">
+              <a:spAutoFit/>
+            </a:bodyPr>
+            <a:lstStyle/>
+            <a:p>
+              <a:r>
+                <a:rPr lang="en-US" smtClean="0"/>
+                <a:t>0</a:t>
+              </a:r>
+              <a:endParaRPr lang="en-US"/>
+            </a:p>
+          </p:txBody>
+        </p:sp>
+        <p:sp>
+          <p:nvSpPr>
+            <p:cNvPr id="4" name="Rectangle 3"/>
+            <p:cNvSpPr/>
+            <p:nvPr/>
+          </p:nvSpPr>
+          <p:spPr>
+            <a:xfrm>
+              <a:off x="542260" y="6171175"/>
+              <a:ext cx="308345" cy="4100509"/>
+            </a:xfrm>
+            <a:prstGeom prst="rect">
+              <a:avLst/>
+            </a:prstGeom>
+            <a:solidFill>
+              <a:schemeClr val="bg1"/>
+            </a:solidFill>
+            <a:ln>
+              <a:solidFill>
+                <a:schemeClr val="bg1"/>
+              </a:solidFill>
+            </a:ln>
+          </p:spPr>
+          <p:style>
+            <a:lnRef idx="2">
+              <a:schemeClr val="accent1">
+                <a:shade val="50000"/>
+              </a:schemeClr>
+            </a:lnRef>
+            <a:fillRef idx="1">
+              <a:schemeClr val="accent1"/>
+            </a:fillRef>
+            <a:effectRef idx="0">
+              <a:schemeClr val="accent1"/>
+            </a:effectRef>
+            <a:fontRef idx="minor">
+              <a:schemeClr val="lt1"/>
+            </a:fontRef>
+          </p:style>
+          <p:txBody>
+            <a:bodyPr rtlCol="0" anchor="ctr"/>
+            <a:lstStyle/>
+            <a:p>
+              <a:pPr algn="ctr"/>
+              <a:endParaRPr lang="en-US"/>
+            </a:p>
+          </p:txBody>
+        </p:sp>
+        <p:sp>
+          <p:nvSpPr>
+            <p:cNvPr id="14" name="Rectangle 13"/>
+            <p:cNvSpPr/>
+            <p:nvPr/>
+          </p:nvSpPr>
+          <p:spPr>
+            <a:xfrm>
+              <a:off x="882504" y="10180418"/>
+              <a:ext cx="3912781" cy="303284"/>
+            </a:xfrm>
+            <a:prstGeom prst="rect">
+              <a:avLst/>
+            </a:prstGeom>
+            <a:solidFill>
+              <a:schemeClr val="bg1"/>
+            </a:solidFill>
+            <a:ln>
+              <a:solidFill>
+                <a:schemeClr val="bg1"/>
+              </a:solidFill>
+            </a:ln>
+          </p:spPr>
+          <p:style>
+            <a:lnRef idx="2">
+              <a:schemeClr val="accent1">
+                <a:shade val="50000"/>
+              </a:schemeClr>
+            </a:lnRef>
+            <a:fillRef idx="1">
+              <a:schemeClr val="accent1"/>
+            </a:fillRef>
+            <a:effectRef idx="0">
+              <a:schemeClr val="accent1"/>
+            </a:effectRef>
+            <a:fontRef idx="minor">
+              <a:schemeClr val="lt1"/>
+            </a:fontRef>
+          </p:style>
+          <p:txBody>
+            <a:bodyPr rtlCol="0" anchor="ctr"/>
+            <a:lstStyle/>
+            <a:p>
+              <a:pPr algn="ctr"/>
+              <a:endParaRPr lang="en-US"/>
+            </a:p>
+          </p:txBody>
+        </p:sp>
+        <p:sp>
+          <p:nvSpPr>
+            <p:cNvPr id="15" name="Rectangle 14"/>
+            <p:cNvSpPr/>
+            <p:nvPr/>
+          </p:nvSpPr>
+          <p:spPr>
+            <a:xfrm>
+              <a:off x="3888930" y="9532086"/>
+              <a:ext cx="725600" cy="184666"/>
+            </a:xfrm>
+            <a:prstGeom prst="rect">
+              <a:avLst/>
+            </a:prstGeom>
+            <a:solidFill>
+              <a:schemeClr val="bg1"/>
+            </a:solidFill>
+            <a:ln>
+              <a:solidFill>
+                <a:schemeClr val="bg1"/>
+              </a:solidFill>
+            </a:ln>
+          </p:spPr>
+          <p:style>
+            <a:lnRef idx="2">
+              <a:schemeClr val="accent1">
+                <a:shade val="50000"/>
+              </a:schemeClr>
+            </a:lnRef>
+            <a:fillRef idx="1">
+              <a:schemeClr val="accent1"/>
+            </a:fillRef>
+            <a:effectRef idx="0">
+              <a:schemeClr val="accent1"/>
+            </a:effectRef>
+            <a:fontRef idx="minor">
+              <a:schemeClr val="lt1"/>
+            </a:fontRef>
+          </p:style>
+          <p:txBody>
+            <a:bodyPr rtlCol="0" anchor="ctr"/>
+            <a:lstStyle/>
+            <a:p>
+              <a:pPr algn="ctr"/>
+              <a:endParaRPr lang="en-US"/>
+            </a:p>
+          </p:txBody>
+        </p:sp>
+        <p:sp>
+          <p:nvSpPr>
+            <p:cNvPr id="16" name="TextBox 15"/>
+            <p:cNvSpPr txBox="1"/>
+            <p:nvPr/>
+          </p:nvSpPr>
+          <p:spPr>
+            <a:xfrm>
+              <a:off x="3889918" y="4481574"/>
+              <a:ext cx="777777" cy="369332"/>
+            </a:xfrm>
+            <a:prstGeom prst="rect">
+              <a:avLst/>
+            </a:prstGeom>
+            <a:solidFill>
+              <a:srgbClr val="001584"/>
+            </a:solidFill>
+          </p:spPr>
+          <p:txBody>
+            <a:bodyPr wrap="none" rtlCol="0">
+              <a:spAutoFit/>
+            </a:bodyPr>
+            <a:lstStyle/>
+            <a:p>
+              <a:r>
+                <a:rPr lang="en-US" dirty="0" smtClean="0">
+                  <a:solidFill>
+                    <a:schemeClr val="bg1"/>
+                  </a:solidFill>
+                </a:rPr>
+                <a:t>50 nm</a:t>
+              </a:r>
+              <a:endParaRPr lang="en-US" dirty="0">
+                <a:solidFill>
+                  <a:schemeClr val="bg1"/>
+                </a:solidFill>
+              </a:endParaRPr>
+            </a:p>
+          </p:txBody>
+        </p:sp>
+        <p:sp>
+          <p:nvSpPr>
+            <p:cNvPr id="17" name="Rectangle 16"/>
+            <p:cNvSpPr/>
+            <p:nvPr/>
+          </p:nvSpPr>
+          <p:spPr>
+            <a:xfrm>
+              <a:off x="4073228" y="4327455"/>
+              <a:ext cx="424344" cy="129725"/>
+            </a:xfrm>
+            <a:prstGeom prst="rect">
+              <a:avLst/>
+            </a:prstGeom>
+            <a:solidFill>
+              <a:schemeClr val="bg1"/>
+            </a:solidFill>
+            <a:ln>
+              <a:solidFill>
+                <a:schemeClr val="bg1"/>
+              </a:solidFill>
+            </a:ln>
+          </p:spPr>
+          <p:style>
+            <a:lnRef idx="2">
+              <a:schemeClr val="accent1">
+                <a:shade val="50000"/>
+              </a:schemeClr>
+            </a:lnRef>
+            <a:fillRef idx="1">
+              <a:schemeClr val="accent1"/>
+            </a:fillRef>
+            <a:effectRef idx="0">
+              <a:schemeClr val="accent1"/>
+            </a:effectRef>
+            <a:fontRef idx="minor">
+              <a:schemeClr val="lt1"/>
+            </a:fontRef>
+          </p:style>
+          <p:txBody>
+            <a:bodyPr rtlCol="0" anchor="ctr"/>
+            <a:lstStyle/>
+            <a:p>
+              <a:pPr algn="ctr"/>
+              <a:endParaRPr lang="en-US"/>
+            </a:p>
+          </p:txBody>
+        </p:sp>
+        <p:sp>
+          <p:nvSpPr>
+            <p:cNvPr id="18" name="TextBox 17"/>
+            <p:cNvSpPr txBox="1"/>
+            <p:nvPr/>
+          </p:nvSpPr>
+          <p:spPr>
+            <a:xfrm>
+              <a:off x="3879286" y="9678216"/>
+              <a:ext cx="777777" cy="369332"/>
             </a:xfrm>
             <a:prstGeom prst="rect">
               <a:avLst/>
@@ -3118,21 +3419,170 @@
                     <a:schemeClr val="bg1"/>
                   </a:solidFill>
                 </a:rPr>
-                <a:t>Reconstruction</a:t>
+                <a:t>50 nm</a:t>
               </a:r>
+              <a:endParaRPr lang="en-US">
+                <a:solidFill>
+                  <a:schemeClr val="bg1"/>
+                </a:solidFill>
+              </a:endParaRPr>
             </a:p>
           </p:txBody>
         </p:sp>
         <p:sp>
           <p:nvSpPr>
-            <p:cNvPr id="12" name="TextBox 11"/>
+            <p:cNvPr id="50" name="Down Arrow 49"/>
+            <p:cNvSpPr/>
+            <p:nvPr/>
+          </p:nvSpPr>
+          <p:spPr>
+            <a:xfrm>
+              <a:off x="2838894" y="5295014"/>
+              <a:ext cx="425301" cy="513919"/>
+            </a:xfrm>
+            <a:prstGeom prst="downArrow">
+              <a:avLst/>
+            </a:prstGeom>
+            <a:solidFill>
+              <a:schemeClr val="tx1"/>
+            </a:solidFill>
+            <a:ln>
+              <a:solidFill>
+                <a:schemeClr val="tx1"/>
+              </a:solidFill>
+            </a:ln>
+          </p:spPr>
+          <p:style>
+            <a:lnRef idx="2">
+              <a:schemeClr val="accent1">
+                <a:shade val="50000"/>
+              </a:schemeClr>
+            </a:lnRef>
+            <a:fillRef idx="1">
+              <a:schemeClr val="accent1"/>
+            </a:fillRef>
+            <a:effectRef idx="0">
+              <a:schemeClr val="accent1"/>
+            </a:effectRef>
+            <a:fontRef idx="minor">
+              <a:schemeClr val="lt1"/>
+            </a:fontRef>
+          </p:style>
+          <p:txBody>
+            <a:bodyPr rtlCol="0" anchor="ctr"/>
+            <a:lstStyle/>
+            <a:p>
+              <a:pPr algn="ctr"/>
+              <a:endParaRPr lang="en-US"/>
+            </a:p>
+          </p:txBody>
+        </p:sp>
+        <p:sp>
+          <p:nvSpPr>
+            <p:cNvPr id="51" name="Left Arrow 50"/>
+            <p:cNvSpPr/>
+            <p:nvPr/>
+          </p:nvSpPr>
+          <p:spPr>
+            <a:xfrm>
+              <a:off x="5954233" y="2264735"/>
+              <a:ext cx="903767" cy="531628"/>
+            </a:xfrm>
+            <a:prstGeom prst="leftArrow">
+              <a:avLst/>
+            </a:prstGeom>
+            <a:solidFill>
+              <a:schemeClr val="tx1"/>
+            </a:solidFill>
+            <a:ln>
+              <a:solidFill>
+                <a:schemeClr val="tx1"/>
+              </a:solidFill>
+            </a:ln>
+          </p:spPr>
+          <p:style>
+            <a:lnRef idx="2">
+              <a:schemeClr val="accent1">
+                <a:shade val="50000"/>
+              </a:schemeClr>
+            </a:lnRef>
+            <a:fillRef idx="1">
+              <a:schemeClr val="accent1"/>
+            </a:fillRef>
+            <a:effectRef idx="0">
+              <a:schemeClr val="accent1"/>
+            </a:effectRef>
+            <a:fontRef idx="minor">
+              <a:schemeClr val="lt1"/>
+            </a:fontRef>
+          </p:style>
+          <p:txBody>
+            <a:bodyPr rtlCol="0" anchor="ctr"/>
+            <a:lstStyle/>
+            <a:p>
+              <a:pPr algn="ctr"/>
+              <a:endParaRPr lang="en-US"/>
+            </a:p>
+          </p:txBody>
+        </p:sp>
+        <p:sp>
+          <p:nvSpPr>
+            <p:cNvPr id="52" name="Right Arrow 51"/>
+            <p:cNvSpPr/>
+            <p:nvPr/>
+          </p:nvSpPr>
+          <p:spPr>
+            <a:xfrm>
+              <a:off x="5860838" y="7836194"/>
+              <a:ext cx="986533" cy="542261"/>
+            </a:xfrm>
+            <a:prstGeom prst="rightArrow">
+              <a:avLst/>
+            </a:prstGeom>
+            <a:solidFill>
+              <a:schemeClr val="tx1"/>
+            </a:solidFill>
+            <a:ln>
+              <a:solidFill>
+                <a:schemeClr val="tx1"/>
+              </a:solidFill>
+            </a:ln>
+          </p:spPr>
+          <p:style>
+            <a:lnRef idx="2">
+              <a:schemeClr val="accent1">
+                <a:shade val="50000"/>
+              </a:schemeClr>
+            </a:lnRef>
+            <a:fillRef idx="1">
+              <a:schemeClr val="accent1"/>
+            </a:fillRef>
+            <a:effectRef idx="0">
+              <a:schemeClr val="accent1"/>
+            </a:effectRef>
+            <a:fontRef idx="minor">
+              <a:schemeClr val="lt1"/>
+            </a:fontRef>
+          </p:style>
+          <p:txBody>
+            <a:bodyPr rtlCol="0" anchor="ctr"/>
+            <a:lstStyle/>
+            <a:p>
+              <a:pPr algn="ctr"/>
+              <a:endParaRPr lang="en-US"/>
+            </a:p>
+          </p:txBody>
+        </p:sp>
+        <p:sp>
+          <p:nvSpPr>
+            <p:cNvPr id="8" name="TextBox 7"/>
             <p:cNvSpPr txBox="1"/>
             <p:nvPr/>
           </p:nvSpPr>
           <p:spPr>
             <a:xfrm>
-              <a:off x="2360504" y="5968484"/>
-              <a:ext cx="1184491" cy="369332"/>
+              <a:off x="6507131" y="723027"/>
+              <a:ext cx="465192" cy="523220"/>
             </a:xfrm>
             <a:prstGeom prst="rect">
               <a:avLst/>
@@ -3146,18 +3596,10 @@
             <a:lstStyle/>
             <a:p>
               <a:r>
-                <a:rPr lang="en-US" smtClean="0">
-                  <a:solidFill>
-                    <a:schemeClr val="bg1"/>
-                  </a:solidFill>
-                </a:rPr>
-                <a:t>Simulation</a:t>
+                <a:rPr lang="en-US" sz="2800" smtClean="0"/>
+                <a:t>a)</a:t>
               </a:r>
-              <a:endParaRPr lang="en-US">
-                <a:solidFill>
-                  <a:schemeClr val="bg1"/>
-                </a:solidFill>
-              </a:endParaRPr>
+              <a:endParaRPr lang="en-US" sz="2800"/>
             </a:p>
           </p:txBody>
         </p:sp>
